--- a/docs/presentations/Sage300SDK_2022_1WebSDKOverview.pptx
+++ b/docs/presentations/Sage300SDK_2022_1WebSDKOverview.pptx
@@ -3777,7 +3777,7 @@
             <a:pPr lvl="2"/>
             <a:r>
               <a:rPr lang="en-US" dirty="0"/>
-              <a:t>Note: Hamburger properties for SgFinderFor are not active yet and will be in an upcoming release</a:t>
+              <a:t>Note: Hamburger properties for SgFinderFor are not active yet but will be in an upcoming release</a:t>
             </a:r>
           </a:p>
         </p:txBody>
@@ -6241,14 +6241,14 @@
           <p:nvPr>
             <p:extLst>
               <p:ext uri="{D42A27DB-BD31-4B8C-83A1-F6EECF244321}">
-                <p14:modId xmlns:p14="http://schemas.microsoft.com/office/powerpoint/2010/main" val="681684033"/>
+                <p14:modId xmlns:p14="http://schemas.microsoft.com/office/powerpoint/2010/main" val="419849893"/>
               </p:ext>
             </p:extLst>
           </p:nvPr>
         </p:nvGraphicFramePr>
         <p:xfrm>
           <a:off x="1995054" y="1194546"/>
-          <a:ext cx="5786489" cy="5464890"/>
+          <a:ext cx="5786489" cy="5708730"/>
         </p:xfrm>
         <a:graphic>
           <a:graphicData uri="http://schemas.openxmlformats.org/drawingml/2006/table">
@@ -6373,7 +6373,7 @@
                       </a:pPr>
                       <a:r>
                         <a:rPr lang="en-US" sz="1600" dirty="0"/>
-                        <a:t>Finder generation to use object in specified ViewFinderProperties.js file</a:t>
+                        <a:t>Finder generation to use object in specified ViewFinderProperties.js file as opposed to hardcoded “sg.utls…”</a:t>
                       </a:r>
                     </a:p>
                     <a:p>
@@ -6386,7 +6386,7 @@
                       </a:pPr>
                       <a:r>
                         <a:rPr lang="en-US" sz="1600" dirty="0"/>
-                        <a:t>Finder generation defaults to JavaScript file in source and not install (minified)</a:t>
+                        <a:t>Finder generation now defaults to JavaScript file in source as opposed to local installation, which is minified</a:t>
                       </a:r>
                     </a:p>
                     <a:p>
